--- a/Day3/Modules/modules.pptx
+++ b/Day3/Modules/modules.pptx
@@ -112,6 +112,11 @@
       </a:defRPr>
     </a:lvl9pPr>
   </p:defaultTextStyle>
+  <p:extLst>
+    <p:ext uri="{EFAFB233-063F-42B5-8137-9DF3F51BA10A}">
+      <p15:sldGuideLst xmlns:p15="http://schemas.microsoft.com/office/powerpoint/2012/main"/>
+    </p:ext>
+  </p:extLst>
 </p:presentation>
 </file>
 
@@ -6942,6 +6947,15 @@
 <file path=ppt/slides/slide9.xml><?xml version="1.0" encoding="utf-8"?>
 <p:sld xmlns:a="http://schemas.openxmlformats.org/drawingml/2006/main" xmlns:r="http://schemas.openxmlformats.org/officeDocument/2006/relationships" xmlns:p="http://schemas.openxmlformats.org/presentationml/2006/main">
   <p:cSld>
+    <p:bg>
+      <p:bgPr>
+        <a:blipFill>
+          <a:blip r:embed="rId2"/>
+          <a:stretch/>
+        </a:blipFill>
+        <a:effectLst/>
+      </p:bgPr>
+    </p:bg>
     <p:spTree>
       <p:nvGrpSpPr>
         <p:cNvPr id="1" name=""/>
@@ -6974,17 +6988,19 @@
         </p:nvSpPr>
         <p:spPr>
           <a:xfrm>
-            <a:off x="163287" y="0"/>
-            <a:ext cx="10131425" cy="1456267"/>
-          </a:xfrm>
-        </p:spPr>
-        <p:txBody>
-          <a:bodyPr/>
+            <a:off x="825909" y="808055"/>
+            <a:ext cx="3979205" cy="1453363"/>
+          </a:xfrm>
+        </p:spPr>
+        <p:txBody>
+          <a:bodyPr>
+            <a:normAutofit/>
+          </a:bodyPr>
           <a:lstStyle/>
           <a:p>
             <a:r>
               <a:rPr lang="en-IN" b="1" cap="none" dirty="0"/>
-              <a:t>Transferring Resource State Into Modules</a:t>
+              <a:t>Registry</a:t>
             </a:r>
             <a:br>
               <a:rPr lang="en-IN" b="1" dirty="0"/>
@@ -7011,77 +7027,96 @@
         </p:nvSpPr>
         <p:spPr>
           <a:xfrm>
-            <a:off x="533401" y="1238553"/>
-            <a:ext cx="11212285" cy="5064276"/>
-          </a:xfrm>
-        </p:spPr>
-        <p:txBody>
-          <a:bodyPr/>
-          <a:lstStyle/>
-          <a:p>
-            <a:r>
-              <a:rPr lang="en-IN" dirty="0"/>
-              <a:t>If you want to make sure an existing resource is preserved, use </a:t>
-            </a:r>
-            <a:r>
-              <a:rPr lang="en-IN" dirty="0">
-                <a:hlinkClick r:id="rId2"/>
-              </a:rPr>
-              <a:t>the terraform state mv command</a:t>
-            </a:r>
-            <a:r>
-              <a:rPr lang="en-IN" dirty="0"/>
-              <a:t> to inform Terraform that it has moved to a different module.</a:t>
-            </a:r>
-          </a:p>
-          <a:p>
-            <a:endParaRPr lang="en-IN" dirty="0"/>
-          </a:p>
-          <a:p>
-            <a:r>
-              <a:rPr lang="en-IN" dirty="0"/>
-              <a:t>When passing resource addresses to terraform state mv, resources within child modules must be prefixed with module.&lt;MODULE NAME&gt;.. If a module was called with </a:t>
-            </a:r>
-            <a:r>
-              <a:rPr lang="en-IN" dirty="0">
-                <a:hlinkClick r:id="rId3"/>
-              </a:rPr>
-              <a:t>count</a:t>
-            </a:r>
-            <a:r>
-              <a:rPr lang="en-IN" dirty="0"/>
-              <a:t> or </a:t>
-            </a:r>
-            <a:r>
-              <a:rPr lang="en-IN" dirty="0">
-                <a:hlinkClick r:id="rId4"/>
-              </a:rPr>
-              <a:t>for_each</a:t>
-            </a:r>
-            <a:r>
-              <a:rPr lang="en-IN" dirty="0"/>
-              <a:t>, its resource addresses must be prefixed with module.&lt;MODULE NAME&gt;[&lt;INDEX&gt;]. instead, where &lt;INDEX&gt; matches the </a:t>
-            </a:r>
-            <a:r>
-              <a:rPr lang="en-IN" dirty="0" err="1"/>
-              <a:t>count.index</a:t>
-            </a:r>
-            <a:r>
-              <a:rPr lang="en-IN" dirty="0"/>
-              <a:t> or </a:t>
-            </a:r>
-            <a:r>
-              <a:rPr lang="en-IN" dirty="0" err="1"/>
-              <a:t>each.key</a:t>
-            </a:r>
-            <a:r>
-              <a:rPr lang="en-IN"/>
-              <a:t> value of a particular module instance.</a:t>
-            </a:r>
+            <a:off x="802178" y="2261420"/>
+            <a:ext cx="4002936" cy="3637935"/>
+          </a:xfrm>
+        </p:spPr>
+        <p:txBody>
+          <a:bodyPr>
+            <a:normAutofit/>
+          </a:bodyPr>
+          <a:lstStyle/>
+          <a:p>
+            <a:r>
+              <a:rPr lang="en-US" dirty="0"/>
+              <a:t>https://</a:t>
+            </a:r>
+            <a:r>
+              <a:rPr lang="en-US" dirty="0" err="1"/>
+              <a:t>registry.terraform.io</a:t>
+            </a:r>
+            <a:r>
+              <a:rPr lang="en-US" dirty="0"/>
+              <a:t>/</a:t>
+            </a:r>
+            <a:br>
+              <a:rPr lang="en-US" dirty="0"/>
+            </a:br>
             <a:endParaRPr lang="en-US" dirty="0"/>
           </a:p>
-        </p:txBody>
-      </p:sp>
+          <a:p>
+            <a:endParaRPr lang="en-US" dirty="0"/>
+          </a:p>
+        </p:txBody>
+      </p:sp>
+      <p:pic>
+        <p:nvPicPr>
+          <p:cNvPr id="4" name="Picture 3">
+            <a:extLst>
+              <a:ext uri="{FF2B5EF4-FFF2-40B4-BE49-F238E27FC236}">
+                <a16:creationId xmlns:a16="http://schemas.microsoft.com/office/drawing/2014/main" id="{088D3681-7BA0-2F4A-9003-79FD71FE91D2}"/>
+              </a:ext>
+            </a:extLst>
+          </p:cNvPr>
+          <p:cNvPicPr>
+            <a:picLocks noChangeAspect="1"/>
+          </p:cNvPicPr>
+          <p:nvPr/>
+        </p:nvPicPr>
+        <p:blipFill>
+          <a:blip r:embed="rId3"/>
+          <a:stretch>
+            <a:fillRect/>
+          </a:stretch>
+        </p:blipFill>
+        <p:spPr>
+          <a:xfrm>
+            <a:off x="5289752" y="1648738"/>
+            <a:ext cx="6095593" cy="3398293"/>
+          </a:xfrm>
+          <a:prstGeom prst="roundRect">
+            <a:avLst>
+              <a:gd name="adj" fmla="val 4380"/>
+            </a:avLst>
+          </a:prstGeom>
+          <a:ln w="50800" cap="sq" cmpd="dbl">
+            <a:gradFill flip="none" rotWithShape="1">
+              <a:gsLst>
+                <a:gs pos="0">
+                  <a:srgbClr val="FFFFFF"/>
+                </a:gs>
+                <a:gs pos="100000">
+                  <a:schemeClr val="tx1">
+                    <a:alpha val="0"/>
+                  </a:schemeClr>
+                </a:gs>
+              </a:gsLst>
+              <a:path path="circle">
+                <a:fillToRect l="50000" t="50000" r="50000" b="50000"/>
+              </a:path>
+              <a:tileRect/>
+            </a:gradFill>
+            <a:miter lim="800000"/>
+          </a:ln>
+          <a:effectLst>
+            <a:outerShdw blurRad="254000" algn="tl" rotWithShape="0">
+              <a:srgbClr val="000000">
+                <a:alpha val="43000"/>
+              </a:srgbClr>
+            </a:outerShdw>
+          </a:effectLst>
+        </p:spPr>
+      </p:pic>
     </p:spTree>
     <p:extLst>
       <p:ext uri="{BB962C8B-B14F-4D97-AF65-F5344CB8AC3E}">
